--- a/Sprint_4.pptx
+++ b/Sprint_4.pptx
@@ -117,7 +117,7 @@
   </p:defaultTextStyle>
   <p:extLst>
     <p:ext uri="{EFAFB233-063F-42B5-8137-9DF3F51BA10A}">
-      <p15:sldGuideLst xmlns:p15="http://schemas.microsoft.com/office/powerpoint/2012/main"/>
+      <p15:sldGuideLst xmlns:p15="http://schemas.microsoft.com/office/powerpoint/2012/main" xmlns=""/>
     </p:ext>
   </p:extLst>
 </p:presentation>
@@ -205,7 +205,7 @@
           <a:p>
             <a:fld id="{DD66414F-45C6-42ED-A067-D87E446B7378}" type="datetimeFigureOut">
               <a:rPr lang="en-US" smtClean="0"/>
-              <a:t>3/27/2016</a:t>
+              <a:t>3/28/16</a:t>
             </a:fld>
             <a:endParaRPr lang="en-US"/>
           </a:p>
@@ -1225,7 +1225,7 @@
                 </a:solidFill>
               </a:rPr>
               <a:pPr/>
-              <a:t>3/27/2016</a:t>
+              <a:t>3/28/16</a:t>
             </a:fld>
             <a:endParaRPr lang="en-US">
               <a:solidFill>
@@ -1509,7 +1509,7 @@
                 </a:solidFill>
               </a:rPr>
               <a:pPr defTabSz="457200"/>
-              <a:t>3/27/2016</a:t>
+              <a:t>3/28/16</a:t>
             </a:fld>
             <a:endParaRPr lang="en-US">
               <a:solidFill>
@@ -1858,7 +1858,7 @@
                 </a:solidFill>
               </a:rPr>
               <a:pPr defTabSz="457200"/>
-              <a:t>3/27/2016</a:t>
+              <a:t>3/28/16</a:t>
             </a:fld>
             <a:endParaRPr lang="en-US">
               <a:solidFill>
@@ -2226,7 +2226,7 @@
                 </a:solidFill>
               </a:rPr>
               <a:pPr defTabSz="457200"/>
-              <a:t>3/27/2016</a:t>
+              <a:t>3/28/16</a:t>
             </a:fld>
             <a:endParaRPr lang="en-US">
               <a:solidFill>
@@ -2575,7 +2575,7 @@
                 </a:solidFill>
               </a:rPr>
               <a:pPr defTabSz="457200"/>
-              <a:t>3/27/2016</a:t>
+              <a:t>3/28/16</a:t>
             </a:fld>
             <a:endParaRPr lang="en-US">
               <a:solidFill>
@@ -3003,7 +3003,7 @@
                 </a:solidFill>
               </a:rPr>
               <a:pPr defTabSz="457200"/>
-              <a:t>3/27/2016</a:t>
+              <a:t>3/28/16</a:t>
             </a:fld>
             <a:endParaRPr lang="en-US">
               <a:solidFill>
@@ -3207,7 +3207,7 @@
                 </a:solidFill>
               </a:rPr>
               <a:pPr/>
-              <a:t>3/27/2016</a:t>
+              <a:t>3/28/16</a:t>
             </a:fld>
             <a:endParaRPr lang="en-US">
               <a:solidFill>
@@ -3419,7 +3419,7 @@
                 </a:solidFill>
               </a:rPr>
               <a:pPr/>
-              <a:t>3/27/2016</a:t>
+              <a:t>3/28/16</a:t>
             </a:fld>
             <a:endParaRPr lang="en-US">
               <a:solidFill>
@@ -3621,7 +3621,7 @@
                 </a:solidFill>
               </a:rPr>
               <a:pPr/>
-              <a:t>3/27/2016</a:t>
+              <a:t>3/28/16</a:t>
             </a:fld>
             <a:endParaRPr lang="en-US">
               <a:solidFill>
@@ -3900,7 +3900,7 @@
                 </a:solidFill>
               </a:rPr>
               <a:pPr/>
-              <a:t>3/27/2016</a:t>
+              <a:t>3/28/16</a:t>
             </a:fld>
             <a:endParaRPr lang="en-US">
               <a:solidFill>
@@ -4164,7 +4164,7 @@
                 </a:solidFill>
               </a:rPr>
               <a:pPr/>
-              <a:t>3/27/2016</a:t>
+              <a:t>3/28/16</a:t>
             </a:fld>
             <a:endParaRPr lang="en-US">
               <a:solidFill>
@@ -4570,7 +4570,7 @@
                 </a:solidFill>
               </a:rPr>
               <a:pPr/>
-              <a:t>3/27/2016</a:t>
+              <a:t>3/28/16</a:t>
             </a:fld>
             <a:endParaRPr lang="en-US">
               <a:solidFill>
@@ -4725,7 +4725,7 @@
                 </a:solidFill>
               </a:rPr>
               <a:pPr/>
-              <a:t>3/27/2016</a:t>
+              <a:t>3/28/16</a:t>
             </a:fld>
             <a:endParaRPr lang="en-US">
               <a:solidFill>
@@ -4852,7 +4852,7 @@
                 </a:solidFill>
               </a:rPr>
               <a:pPr/>
-              <a:t>3/27/2016</a:t>
+              <a:t>3/28/16</a:t>
             </a:fld>
             <a:endParaRPr lang="en-US">
               <a:solidFill>
@@ -5139,7 +5139,7 @@
                 </a:solidFill>
               </a:rPr>
               <a:pPr/>
-              <a:t>3/27/2016</a:t>
+              <a:t>3/28/16</a:t>
             </a:fld>
             <a:endParaRPr lang="en-US">
               <a:solidFill>
@@ -5495,7 +5495,7 @@
                 </a:solidFill>
               </a:rPr>
               <a:pPr/>
-              <a:t>3/27/2016</a:t>
+              <a:t>3/28/16</a:t>
             </a:fld>
             <a:endParaRPr lang="en-US">
               <a:solidFill>
@@ -6211,7 +6211,7 @@
                 </a:solidFill>
               </a:rPr>
               <a:pPr defTabSz="457200"/>
-              <a:t>3/27/2016</a:t>
+              <a:t>3/28/16</a:t>
             </a:fld>
             <a:endParaRPr lang="en-US">
               <a:solidFill>
@@ -6774,8 +6774,8 @@
         </p:nvSpPr>
         <p:spPr>
           <a:xfrm>
-            <a:off x="766010" y="1269659"/>
-            <a:ext cx="7772400" cy="1470025"/>
+            <a:off x="717784" y="621258"/>
+            <a:ext cx="9082747" cy="2305557"/>
           </a:xfrm>
         </p:spPr>
         <p:txBody>
@@ -7045,7 +7045,7 @@
   <p:timing>
     <p:tnLst>
       <p:par>
-        <p:cTn id="1" dur="indefinite" restart="never" nodeType="tmRoot"/>
+        <p:cTn xmlns:p14="http://schemas.microsoft.com/office/powerpoint/2010/main" id="1" dur="indefinite" restart="never" nodeType="tmRoot"/>
       </p:par>
     </p:tnLst>
   </p:timing>
@@ -7081,7 +7081,7 @@
         </p:nvSpPr>
         <p:spPr>
           <a:xfrm>
-            <a:off x="0" y="0"/>
+            <a:off x="0" y="151863"/>
             <a:ext cx="12192000" cy="1143000"/>
           </a:xfrm>
         </p:spPr>
@@ -7091,6 +7091,7 @@
           </a:bodyPr>
           <a:lstStyle/>
           <a:p>
+            <a:pPr algn="ctr"/>
             <a:r>
               <a:rPr lang="en-US" sz="4000" b="1" dirty="0" smtClean="0">
                 <a:latin typeface="Times New Roman"/>
@@ -7102,6 +7103,86 @@
               <a:latin typeface="Times New Roman"/>
               <a:cs typeface="Times New Roman"/>
             </a:endParaRPr>
+          </a:p>
+        </p:txBody>
+      </p:sp>
+      <p:sp>
+        <p:nvSpPr>
+          <p:cNvPr id="3" name="TextBox 2"/>
+          <p:cNvSpPr txBox="1"/>
+          <p:nvPr/>
+        </p:nvSpPr>
+        <p:spPr>
+          <a:xfrm>
+            <a:off x="869626" y="1518631"/>
+            <a:ext cx="9013728" cy="2462213"/>
+          </a:xfrm>
+          <a:prstGeom prst="rect">
+            <a:avLst/>
+          </a:prstGeom>
+          <a:noFill/>
+        </p:spPr>
+        <p:txBody>
+          <a:bodyPr wrap="square" rtlCol="0">
+            <a:spAutoFit/>
+          </a:bodyPr>
+          <a:lstStyle/>
+          <a:p>
+            <a:r>
+              <a:rPr lang="en-US" sz="3200" b="1" dirty="0">
+                <a:latin typeface="Times New Roman"/>
+                <a:cs typeface="Times New Roman"/>
+              </a:rPr>
+              <a:t>Solving </a:t>
+            </a:r>
+            <a:r>
+              <a:rPr lang="en-US" sz="3200" b="1" dirty="0" smtClean="0">
+                <a:latin typeface="Times New Roman"/>
+                <a:cs typeface="Times New Roman"/>
+              </a:rPr>
+              <a:t>the problem </a:t>
+            </a:r>
+            <a:r>
+              <a:rPr lang="en-US" sz="3200" b="1" dirty="0">
+                <a:latin typeface="Times New Roman"/>
+                <a:cs typeface="Times New Roman"/>
+              </a:rPr>
+              <a:t>of expanding across multiple hardware domains for tenants in </a:t>
+            </a:r>
+            <a:r>
+              <a:rPr lang="en-US" sz="3200" b="1" dirty="0" smtClean="0">
+                <a:latin typeface="Times New Roman"/>
+                <a:cs typeface="Times New Roman"/>
+              </a:rPr>
+              <a:t>MOC</a:t>
+            </a:r>
+          </a:p>
+          <a:p>
+            <a:endParaRPr lang="en-US" sz="3200" b="1" dirty="0">
+              <a:latin typeface="Times New Roman"/>
+              <a:cs typeface="Times New Roman"/>
+            </a:endParaRPr>
+          </a:p>
+          <a:p>
+            <a:pPr marL="342900" indent="-342900">
+              <a:buFont typeface="Arial"/>
+              <a:buChar char="•"/>
+            </a:pPr>
+            <a:r>
+              <a:rPr lang="en-US" sz="2000" b="1" dirty="0" smtClean="0">
+                <a:latin typeface="Times New Roman"/>
+                <a:cs typeface="Times New Roman"/>
+              </a:rPr>
+              <a:t>A tenant should be able to allocate resources in multiple hardware domains and should be able to have control over them as with those in a single domain</a:t>
+            </a:r>
+            <a:endParaRPr lang="en-US" sz="2000" b="1" dirty="0">
+              <a:latin typeface="Times New Roman"/>
+              <a:cs typeface="Times New Roman"/>
+            </a:endParaRPr>
+          </a:p>
+          <a:p>
+            <a:pPr algn="ctr"/>
+            <a:endParaRPr lang="en-US" dirty="0"/>
           </a:p>
         </p:txBody>
       </p:sp>
@@ -7118,7 +7199,7 @@
   <p:timing>
     <p:tnLst>
       <p:par>
-        <p:cTn id="1" dur="indefinite" restart="never" nodeType="tmRoot"/>
+        <p:cTn xmlns:p14="http://schemas.microsoft.com/office/powerpoint/2010/main" id="1" dur="indefinite" restart="never" nodeType="tmRoot"/>
       </p:par>
     </p:tnLst>
   </p:timing>
@@ -7154,8 +7235,8 @@
         </p:nvSpPr>
         <p:spPr>
           <a:xfrm>
-            <a:off x="0" y="0"/>
-            <a:ext cx="12192000" cy="1143000"/>
+            <a:off x="0" y="179474"/>
+            <a:ext cx="12191999" cy="963525"/>
           </a:xfrm>
         </p:spPr>
         <p:txBody>
@@ -7164,6 +7245,7 @@
           </a:bodyPr>
           <a:lstStyle/>
           <a:p>
+            <a:pPr algn="ctr"/>
             <a:r>
               <a:rPr lang="en-US" sz="4000" b="1" dirty="0" smtClean="0">
                 <a:latin typeface="Times New Roman"/>
@@ -7186,8 +7268,8 @@
         </p:nvSpPr>
         <p:spPr>
           <a:xfrm>
-            <a:off x="1821903" y="920621"/>
-            <a:ext cx="7774484" cy="5016758"/>
+            <a:off x="565947" y="1417628"/>
+            <a:ext cx="9044244" cy="5016758"/>
           </a:xfrm>
           <a:prstGeom prst="rect">
             <a:avLst/>
@@ -7353,7 +7435,7 @@
   <p:timing>
     <p:tnLst>
       <p:par>
-        <p:cTn id="1" dur="indefinite" restart="never" nodeType="tmRoot"/>
+        <p:cTn xmlns:p14="http://schemas.microsoft.com/office/powerpoint/2010/main" id="1" dur="indefinite" restart="never" nodeType="tmRoot"/>
       </p:par>
     </p:tnLst>
   </p:timing>
@@ -7389,8 +7471,8 @@
         </p:nvSpPr>
         <p:spPr>
           <a:xfrm>
-            <a:off x="0" y="0"/>
-            <a:ext cx="12192000" cy="1143000"/>
+            <a:off x="0" y="248504"/>
+            <a:ext cx="12191999" cy="1352962"/>
           </a:xfrm>
         </p:spPr>
         <p:txBody>
@@ -7399,6 +7481,7 @@
           </a:bodyPr>
           <a:lstStyle/>
           <a:p>
+            <a:pPr algn="ctr"/>
             <a:r>
               <a:rPr lang="en-US" sz="4000" b="1" dirty="0" smtClean="0">
                 <a:latin typeface="Times New Roman"/>
@@ -7421,8 +7504,8 @@
         </p:nvSpPr>
         <p:spPr>
           <a:xfrm>
-            <a:off x="1821903" y="2028617"/>
-            <a:ext cx="7668606" cy="2800767"/>
+            <a:off x="634964" y="2028617"/>
+            <a:ext cx="8855545" cy="2800767"/>
           </a:xfrm>
           <a:prstGeom prst="rect">
             <a:avLst/>
@@ -7524,7 +7607,7 @@
   <p:timing>
     <p:tnLst>
       <p:par>
-        <p:cTn id="1" dur="indefinite" restart="never" nodeType="tmRoot"/>
+        <p:cTn xmlns:p14="http://schemas.microsoft.com/office/powerpoint/2010/main" id="1" dur="indefinite" restart="never" nodeType="tmRoot"/>
       </p:par>
     </p:tnLst>
   </p:timing>
@@ -7560,8 +7643,8 @@
         </p:nvSpPr>
         <p:spPr>
           <a:xfrm>
-            <a:off x="0" y="0"/>
-            <a:ext cx="12192000" cy="1143000"/>
+            <a:off x="0" y="220890"/>
+            <a:ext cx="12192000" cy="1007819"/>
           </a:xfrm>
         </p:spPr>
         <p:txBody>
@@ -7570,6 +7653,7 @@
           </a:bodyPr>
           <a:lstStyle/>
           <a:p>
+            <a:pPr algn="ctr"/>
             <a:r>
               <a:rPr lang="en-US" sz="4000" b="1" dirty="0" smtClean="0">
                 <a:latin typeface="Times New Roman"/>
@@ -7592,8 +7676,8 @@
         </p:nvSpPr>
         <p:spPr>
           <a:xfrm>
-            <a:off x="1881504" y="1659285"/>
-            <a:ext cx="8043992" cy="3539430"/>
+            <a:off x="607357" y="1659285"/>
+            <a:ext cx="9318139" cy="3539430"/>
           </a:xfrm>
           <a:prstGeom prst="rect">
             <a:avLst/>
@@ -7618,15 +7702,18 @@
                 <a:latin typeface="Times New Roman" panose="02020603050405020304" pitchFamily="18" charset="0"/>
                 <a:cs typeface="Times New Roman" panose="02020603050405020304" pitchFamily="18" charset="0"/>
               </a:rPr>
-              <a:t>Uploaded VMs on MOC</a:t>
-            </a:r>
-            <a:endParaRPr lang="en-US" sz="3200" b="1" dirty="0" smtClean="0">
-              <a:solidFill>
-                <a:prstClr val="black"/>
-              </a:solidFill>
-              <a:latin typeface="Times New Roman" panose="02020603050405020304" pitchFamily="18" charset="0"/>
-              <a:cs typeface="Times New Roman" panose="02020603050405020304" pitchFamily="18" charset="0"/>
-            </a:endParaRPr>
+              <a:t>Upload/Create </a:t>
+            </a:r>
+            <a:r>
+              <a:rPr lang="en-US" sz="3200" b="1" dirty="0" smtClean="0">
+                <a:solidFill>
+                  <a:prstClr val="black"/>
+                </a:solidFill>
+                <a:latin typeface="Times New Roman" panose="02020603050405020304" pitchFamily="18" charset="0"/>
+                <a:cs typeface="Times New Roman" panose="02020603050405020304" pitchFamily="18" charset="0"/>
+              </a:rPr>
+              <a:t>VMs on MOC</a:t>
+            </a:r>
           </a:p>
           <a:p>
             <a:pPr marL="342900" indent="-342900" defTabSz="457200">
@@ -7654,7 +7741,7 @@
                 <a:latin typeface="Times New Roman" panose="02020603050405020304" pitchFamily="18" charset="0"/>
                 <a:cs typeface="Times New Roman" panose="02020603050405020304" pitchFamily="18" charset="0"/>
               </a:rPr>
-              <a:t>Combined the necessary parts of databases </a:t>
+              <a:t>Combine </a:t>
             </a:r>
             <a:r>
               <a:rPr lang="en-US" sz="3200" b="1" dirty="0" smtClean="0">
@@ -7664,17 +7751,7 @@
                 <a:latin typeface="Times New Roman" panose="02020603050405020304" pitchFamily="18" charset="0"/>
                 <a:cs typeface="Times New Roman" panose="02020603050405020304" pitchFamily="18" charset="0"/>
               </a:rPr>
-              <a:t>from </a:t>
-            </a:r>
-            <a:r>
-              <a:rPr lang="en-US" sz="3200" b="1" dirty="0" smtClean="0">
-                <a:solidFill>
-                  <a:prstClr val="black"/>
-                </a:solidFill>
-                <a:latin typeface="Times New Roman" panose="02020603050405020304" pitchFamily="18" charset="0"/>
-                <a:cs typeface="Times New Roman" panose="02020603050405020304" pitchFamily="18" charset="0"/>
-              </a:rPr>
-              <a:t>both hardware domains</a:t>
+              <a:t>the necessary parts of databases from both hardware domains</a:t>
             </a:r>
             <a:endParaRPr lang="en-US" sz="3200" b="1" dirty="0">
               <a:solidFill>
@@ -7710,7 +7787,17 @@
                 <a:latin typeface="Times New Roman" panose="02020603050405020304" pitchFamily="18" charset="0"/>
                 <a:cs typeface="Times New Roman" panose="02020603050405020304" pitchFamily="18" charset="0"/>
               </a:rPr>
-              <a:t>Wrote python script to make the required changes in OVX virtual topologies</a:t>
+              <a:t>Write </a:t>
+            </a:r>
+            <a:r>
+              <a:rPr lang="en-US" sz="3200" b="1" dirty="0" smtClean="0">
+                <a:solidFill>
+                  <a:prstClr val="black"/>
+                </a:solidFill>
+                <a:latin typeface="Times New Roman" panose="02020603050405020304" pitchFamily="18" charset="0"/>
+                <a:cs typeface="Times New Roman" panose="02020603050405020304" pitchFamily="18" charset="0"/>
+              </a:rPr>
+              <a:t>python script to make the required changes in OVX virtual topologies</a:t>
             </a:r>
             <a:endParaRPr lang="en-US" sz="2400" dirty="0">
               <a:solidFill>
@@ -7735,7 +7822,7 @@
   <p:timing>
     <p:tnLst>
       <p:par>
-        <p:cTn id="1" dur="indefinite" restart="never" nodeType="tmRoot"/>
+        <p:cTn xmlns:p14="http://schemas.microsoft.com/office/powerpoint/2010/main" id="1" dur="indefinite" restart="never" nodeType="tmRoot"/>
       </p:par>
     </p:tnLst>
   </p:timing>
@@ -7771,7 +7858,7 @@
         </p:nvSpPr>
         <p:spPr>
           <a:xfrm>
-            <a:off x="0" y="0"/>
+            <a:off x="0" y="248502"/>
             <a:ext cx="12192000" cy="1143000"/>
           </a:xfrm>
         </p:spPr>
@@ -7781,6 +7868,7 @@
           </a:bodyPr>
           <a:lstStyle/>
           <a:p>
+            <a:pPr algn="ctr"/>
             <a:r>
               <a:rPr lang="en-US" sz="4000" b="1" dirty="0" smtClean="0">
                 <a:latin typeface="Times New Roman"/>
@@ -7808,7 +7896,7 @@
   <p:timing>
     <p:tnLst>
       <p:par>
-        <p:cTn id="1" dur="indefinite" restart="never" nodeType="tmRoot"/>
+        <p:cTn xmlns:p14="http://schemas.microsoft.com/office/powerpoint/2010/main" id="1" dur="indefinite" restart="never" nodeType="tmRoot"/>
       </p:par>
     </p:tnLst>
   </p:timing>
@@ -7844,7 +7932,7 @@
         </p:nvSpPr>
         <p:spPr>
           <a:xfrm>
-            <a:off x="0" y="0"/>
+            <a:off x="0" y="193280"/>
             <a:ext cx="12192000" cy="1143000"/>
           </a:xfrm>
         </p:spPr>
@@ -7854,6 +7942,7 @@
           </a:bodyPr>
           <a:lstStyle/>
           <a:p>
+            <a:pPr algn="ctr"/>
             <a:r>
               <a:rPr lang="en-US" sz="4000" b="1" dirty="0" smtClean="0">
                 <a:latin typeface="Times New Roman"/>
@@ -7881,7 +7970,7 @@
   <p:timing>
     <p:tnLst>
       <p:par>
-        <p:cTn id="1" dur="indefinite" restart="never" nodeType="tmRoot"/>
+        <p:cTn xmlns:p14="http://schemas.microsoft.com/office/powerpoint/2010/main" id="1" dur="indefinite" restart="never" nodeType="tmRoot"/>
       </p:par>
     </p:tnLst>
   </p:timing>
@@ -7917,14 +8006,15 @@
         </p:nvSpPr>
         <p:spPr>
           <a:xfrm>
-            <a:off x="1981200" y="2857500"/>
-            <a:ext cx="8229600" cy="1143000"/>
+            <a:off x="0" y="2857500"/>
+            <a:ext cx="12192000" cy="1143000"/>
           </a:xfrm>
         </p:spPr>
         <p:txBody>
           <a:bodyPr/>
           <a:lstStyle/>
           <a:p>
+            <a:pPr algn="ctr"/>
             <a:r>
               <a:rPr lang="en-US" b="1" dirty="0" smtClean="0">
                 <a:latin typeface="Times New Roman" panose="02020603050405020304" pitchFamily="18" charset="0"/>
@@ -7952,7 +8042,7 @@
   <p:timing>
     <p:tnLst>
       <p:par>
-        <p:cTn id="1" dur="indefinite" restart="never" nodeType="tmRoot"/>
+        <p:cTn xmlns:p14="http://schemas.microsoft.com/office/powerpoint/2010/main" id="1" dur="indefinite" restart="never" nodeType="tmRoot"/>
       </p:par>
     </p:tnLst>
   </p:timing>
@@ -7988,14 +8078,15 @@
         </p:nvSpPr>
         <p:spPr>
           <a:xfrm>
-            <a:off x="1981200" y="2857500"/>
-            <a:ext cx="8229600" cy="1143000"/>
+            <a:off x="0" y="2871306"/>
+            <a:ext cx="12192000" cy="1143000"/>
           </a:xfrm>
         </p:spPr>
         <p:txBody>
           <a:bodyPr/>
           <a:lstStyle/>
           <a:p>
+            <a:pPr algn="ctr"/>
             <a:r>
               <a:rPr lang="en-US" b="1" dirty="0" smtClean="0">
                 <a:latin typeface="Times New Roman" panose="02020603050405020304" pitchFamily="18" charset="0"/>
@@ -8023,7 +8114,7 @@
   <p:timing>
     <p:tnLst>
       <p:par>
-        <p:cTn id="1" dur="indefinite" restart="never" nodeType="tmRoot"/>
+        <p:cTn xmlns:p14="http://schemas.microsoft.com/office/powerpoint/2010/main" id="1" dur="indefinite" restart="never" nodeType="tmRoot"/>
       </p:par>
     </p:tnLst>
   </p:timing>
@@ -8073,7 +8164,7 @@
     </a:clrScheme>
     <a:fontScheme name="Facet">
       <a:majorFont>
-        <a:latin typeface="Trebuchet MS" panose="020B0603020202020204"/>
+        <a:latin typeface="Trebuchet MS"/>
         <a:ea typeface=""/>
         <a:cs typeface=""/>
         <a:font script="Jpan" typeface="メイリオ"/>
@@ -8108,7 +8199,7 @@
         <a:font script="Geor" typeface="Sylfaen"/>
       </a:majorFont>
       <a:minorFont>
-        <a:latin typeface="Trebuchet MS" panose="020B0603020202020204"/>
+        <a:latin typeface="Trebuchet MS"/>
         <a:ea typeface=""/>
         <a:cs typeface=""/>
         <a:font script="Jpan" typeface="メイリオ"/>
@@ -8281,7 +8372,7 @@
   <a:extraClrSchemeLst/>
   <a:extLst>
     <a:ext uri="{05A4C25C-085E-4340-85A3-A5531E510DB2}">
-      <thm15:themeFamily xmlns:thm15="http://schemas.microsoft.com/office/thememl/2012/main" name="Facet" id="{C0C680CD-088A-49FC-A102-D699147F32B2}" vid="{0B5AB586-D108-4FC1-8368-649FE654B894}"/>
+      <thm15:themeFamily xmlns:thm15="http://schemas.microsoft.com/office/thememl/2012/main" xmlns="" name="Facet" id="{C0C680CD-088A-49FC-A102-D699147F32B2}" vid="{0B5AB586-D108-4FC1-8368-649FE654B894}"/>
     </a:ext>
   </a:extLst>
 </a:theme>
@@ -8330,7 +8421,7 @@
     </a:clrScheme>
     <a:fontScheme name="Office">
       <a:majorFont>
-        <a:latin typeface="Calibri Light" panose="020F0302020204030204"/>
+        <a:latin typeface="Calibri Light"/>
         <a:ea typeface=""/>
         <a:cs typeface=""/>
         <a:font script="Jpan" typeface="ＭＳ Ｐゴシック"/>
@@ -8365,7 +8456,7 @@
         <a:font script="Geor" typeface="Sylfaen"/>
       </a:majorFont>
       <a:minorFont>
-        <a:latin typeface="Calibri" panose="020F0502020204030204"/>
+        <a:latin typeface="Calibri"/>
         <a:ea typeface=""/>
         <a:cs typeface=""/>
         <a:font script="Jpan" typeface="ＭＳ Ｐゴシック"/>
@@ -8542,7 +8633,7 @@
   <a:extraClrSchemeLst/>
   <a:extLst>
     <a:ext uri="{05A4C25C-085E-4340-85A3-A5531E510DB2}">
-      <thm15:themeFamily xmlns:thm15="http://schemas.microsoft.com/office/thememl/2012/main" name="Office Theme" id="{62F939B6-93AF-4DB8-9C6B-D6C7DFDC589F}" vid="{4A3C46E8-61CC-4603-A589-7422A47A8E4A}"/>
+      <thm15:themeFamily xmlns:thm15="http://schemas.microsoft.com/office/thememl/2012/main" xmlns="" name="Office Theme" id="{62F939B6-93AF-4DB8-9C6B-D6C7DFDC589F}" vid="{4A3C46E8-61CC-4603-A589-7422A47A8E4A}"/>
     </a:ext>
   </a:extLst>
 </a:theme>
